--- a/Maternal Mortality.pptx
+++ b/Maternal Mortality.pptx
@@ -284,7 +284,7 @@
           <a:p>
             <a:fld id="{5D196A94-EE67-0344-8BEE-DE6E426DA596}" type="datetimeFigureOut">
               <a:rPr lang="en-US" smtClean="0"/>
-              <a:t>1/11/20</a:t>
+              <a:t>1/13/20</a:t>
             </a:fld>
             <a:endParaRPr lang="en-US"/>
           </a:p>
@@ -454,7 +454,7 @@
           <a:p>
             <a:fld id="{5D196A94-EE67-0344-8BEE-DE6E426DA596}" type="datetimeFigureOut">
               <a:rPr lang="en-US" smtClean="0"/>
-              <a:t>1/11/20</a:t>
+              <a:t>1/13/20</a:t>
             </a:fld>
             <a:endParaRPr lang="en-US"/>
           </a:p>
@@ -634,7 +634,7 @@
           <a:p>
             <a:fld id="{5D196A94-EE67-0344-8BEE-DE6E426DA596}" type="datetimeFigureOut">
               <a:rPr lang="en-US" smtClean="0"/>
-              <a:t>1/11/20</a:t>
+              <a:t>1/13/20</a:t>
             </a:fld>
             <a:endParaRPr lang="en-US"/>
           </a:p>
@@ -804,7 +804,7 @@
           <a:p>
             <a:fld id="{5D196A94-EE67-0344-8BEE-DE6E426DA596}" type="datetimeFigureOut">
               <a:rPr lang="en-US" smtClean="0"/>
-              <a:t>1/11/20</a:t>
+              <a:t>1/13/20</a:t>
             </a:fld>
             <a:endParaRPr lang="en-US"/>
           </a:p>
@@ -1072,7 +1072,7 @@
           <a:p>
             <a:fld id="{5D196A94-EE67-0344-8BEE-DE6E426DA596}" type="datetimeFigureOut">
               <a:rPr lang="en-US" smtClean="0"/>
-              <a:t>1/11/20</a:t>
+              <a:t>1/13/20</a:t>
             </a:fld>
             <a:endParaRPr lang="en-US"/>
           </a:p>
@@ -1304,7 +1304,7 @@
           <a:p>
             <a:fld id="{5D196A94-EE67-0344-8BEE-DE6E426DA596}" type="datetimeFigureOut">
               <a:rPr lang="en-US" smtClean="0"/>
-              <a:t>1/11/20</a:t>
+              <a:t>1/13/20</a:t>
             </a:fld>
             <a:endParaRPr lang="en-US"/>
           </a:p>
@@ -1663,7 +1663,7 @@
           <a:p>
             <a:fld id="{5D196A94-EE67-0344-8BEE-DE6E426DA596}" type="datetimeFigureOut">
               <a:rPr lang="en-US" smtClean="0"/>
-              <a:t>1/11/20</a:t>
+              <a:t>1/13/20</a:t>
             </a:fld>
             <a:endParaRPr lang="en-US"/>
           </a:p>
@@ -1804,7 +1804,7 @@
           <a:p>
             <a:fld id="{5D196A94-EE67-0344-8BEE-DE6E426DA596}" type="datetimeFigureOut">
               <a:rPr lang="en-US" smtClean="0"/>
-              <a:t>1/11/20</a:t>
+              <a:t>1/13/20</a:t>
             </a:fld>
             <a:endParaRPr lang="en-US"/>
           </a:p>
@@ -1899,7 +1899,7 @@
           <a:p>
             <a:fld id="{5D196A94-EE67-0344-8BEE-DE6E426DA596}" type="datetimeFigureOut">
               <a:rPr lang="en-US" smtClean="0"/>
-              <a:t>1/11/20</a:t>
+              <a:t>1/13/20</a:t>
             </a:fld>
             <a:endParaRPr lang="en-US"/>
           </a:p>
@@ -2256,7 +2256,7 @@
           <a:p>
             <a:fld id="{5D196A94-EE67-0344-8BEE-DE6E426DA596}" type="datetimeFigureOut">
               <a:rPr lang="en-US" smtClean="0"/>
-              <a:t>1/11/20</a:t>
+              <a:t>1/13/20</a:t>
             </a:fld>
             <a:endParaRPr lang="en-US"/>
           </a:p>
@@ -2615,7 +2615,7 @@
           <a:p>
             <a:fld id="{5D196A94-EE67-0344-8BEE-DE6E426DA596}" type="datetimeFigureOut">
               <a:rPr lang="en-US" smtClean="0"/>
-              <a:t>1/11/20</a:t>
+              <a:t>1/13/20</a:t>
             </a:fld>
             <a:endParaRPr lang="en-US"/>
           </a:p>
@@ -2859,7 +2859,7 @@
           <a:p>
             <a:fld id="{5D196A94-EE67-0344-8BEE-DE6E426DA596}" type="datetimeFigureOut">
               <a:rPr lang="en-US" smtClean="0"/>
-              <a:t>1/11/20</a:t>
+              <a:t>1/13/20</a:t>
             </a:fld>
             <a:endParaRPr lang="en-US"/>
           </a:p>
@@ -3641,15 +3641,9 @@
         <p:spPr/>
         <p:txBody>
           <a:bodyPr>
-            <a:normAutofit fontScale="92500" lnSpcReduction="10000"/>
+            <a:normAutofit/>
           </a:bodyPr>
           <a:lstStyle/>
-          <a:p>
-            <a:r>
-              <a:rPr lang="en-US" dirty="0"/>
-              <a:t>Number of maternal deaths - death of a woman while pregnant or within 42 days of termination of pregnancy</a:t>
-            </a:r>
-          </a:p>
           <a:p>
             <a:r>
               <a:rPr lang="en-US" dirty="0"/>
@@ -4197,7 +4191,16 @@
           <a:bodyPr/>
           <a:lstStyle/>
           <a:p>
-            <a:endParaRPr lang="en-US"/>
+            <a:r>
+              <a:rPr lang="en-US" dirty="0"/>
+              <a:t>Data limitations – multiple series of data related to health services were available in the database, but the data was not complete enough to be used in our model. Examples include access to clean water and births attended by health care professionals</a:t>
+            </a:r>
+          </a:p>
+          <a:p>
+            <a:r>
+              <a:rPr lang="en-US" dirty="0"/>
+              <a:t>Further analysis based on region – with additional time we would look into fitting models based on region</a:t>
+            </a:r>
           </a:p>
         </p:txBody>
       </p:sp>
